--- a/presentations/From-Notifications-to-Application-Customizers.pptx
+++ b/presentations/From-Notifications-to-Application-Customizers.pptx
@@ -5,17 +5,18 @@
     <p:sldMasterId id="2147484668" r:id="rId4"/>
   </p:sldMasterIdLst>
   <p:notesMasterIdLst>
-    <p:notesMasterId r:id="rId10"/>
+    <p:notesMasterId r:id="rId11"/>
   </p:notesMasterIdLst>
   <p:handoutMasterIdLst>
-    <p:handoutMasterId r:id="rId11"/>
+    <p:handoutMasterId r:id="rId12"/>
   </p:handoutMasterIdLst>
   <p:sldIdLst>
     <p:sldId id="2076136178" r:id="rId5"/>
     <p:sldId id="2134805491" r:id="rId6"/>
-    <p:sldId id="2134805487" r:id="rId7"/>
-    <p:sldId id="2134805488" r:id="rId8"/>
-    <p:sldId id="2134805486" r:id="rId9"/>
+    <p:sldId id="2134805489" r:id="rId7"/>
+    <p:sldId id="2134805487" r:id="rId8"/>
+    <p:sldId id="2134805488" r:id="rId9"/>
+    <p:sldId id="2134805486" r:id="rId10"/>
   </p:sldIdLst>
   <p:sldSz cx="12436475" cy="6994525"/>
   <p:notesSz cx="6797675" cy="9928225"/>
@@ -257,7 +258,7 @@
               <a:rPr lang="en-US" smtClean="0">
                 <a:latin typeface="Segoe UI" pitchFamily="34" charset="0"/>
               </a:rPr>
-              <a:t>3/3/2023 4:36 PM</a:t>
+              <a:t>3/9/2023 10:39 AM</a:t>
             </a:fld>
             <a:endParaRPr lang="en-US">
               <a:latin typeface="Segoe UI" pitchFamily="34" charset="0"/>
@@ -535,7 +536,7 @@
           <a:p>
             <a:fld id="{D18B56EA-E28F-4F92-9F16-7A6F2501B303}" type="datetime8">
               <a:rPr lang="en-US" smtClean="0"/>
-              <a:t>3/3/2023 4:35 PM</a:t>
+              <a:t>3/9/2023 10:39 AM</a:t>
             </a:fld>
             <a:endParaRPr lang="en-US"/>
           </a:p>
@@ -968,97 +969,13 @@
           <a:bodyPr/>
           <a:lstStyle/>
           <a:p>
-            <a:pPr marL="171450" indent="-171450">
-              <a:buFont typeface="Arial" panose="020B0604020202020204" pitchFamily="34" charset="0"/>
-              <a:buChar char="•"/>
-            </a:pPr>
             <a:endParaRPr lang="en-US" dirty="0"/>
           </a:p>
         </p:txBody>
       </p:sp>
       <p:sp>
         <p:nvSpPr>
-          <p:cNvPr id="4" name="Header Placeholder 3"/>
-          <p:cNvSpPr>
-            <a:spLocks noGrp="1"/>
-          </p:cNvSpPr>
-          <p:nvPr>
-            <p:ph type="hdr" sz="quarter"/>
-          </p:nvPr>
-        </p:nvSpPr>
-        <p:spPr/>
-        <p:txBody>
-          <a:bodyPr/>
-          <a:lstStyle/>
-          <a:p>
-            <a:endParaRPr lang="en-US"/>
-          </a:p>
-        </p:txBody>
-      </p:sp>
-      <p:sp>
-        <p:nvSpPr>
-          <p:cNvPr id="5" name="Footer Placeholder 4"/>
-          <p:cNvSpPr>
-            <a:spLocks noGrp="1"/>
-          </p:cNvSpPr>
-          <p:nvPr>
-            <p:ph type="ftr" sz="quarter" idx="4"/>
-          </p:nvPr>
-        </p:nvSpPr>
-        <p:spPr/>
-        <p:txBody>
-          <a:bodyPr/>
-          <a:lstStyle/>
-          <a:p>
-            <a:pPr defTabSz="914099" eaLnBrk="0" hangingPunct="0"/>
-            <a:r>
-              <a:rPr lang="en-US" sz="400">
-                <a:gradFill>
-                  <a:gsLst>
-                    <a:gs pos="0">
-                      <a:prstClr val="black"/>
-                    </a:gs>
-                    <a:gs pos="100000">
-                      <a:prstClr val="black"/>
-                    </a:gs>
-                  </a:gsLst>
-                  <a:lin ang="5400000" scaled="0"/>
-                </a:gradFill>
-                <a:latin typeface="Segoe UI" pitchFamily="34" charset="0"/>
-                <a:ea typeface="Segoe UI" pitchFamily="34" charset="0"/>
-                <a:cs typeface="Segoe UI" pitchFamily="34" charset="0"/>
-              </a:rPr>
-              <a:t>© Microsoft Corporation. All rights reserved. MICROSOFT MAKES NO WARRANTIES, EXPRESS, IMPLIED OR STATUTORY, AS TO THE INFORMATION IN THIS PRESENTATION.</a:t>
-            </a:r>
-          </a:p>
-        </p:txBody>
-      </p:sp>
-      <p:sp>
-        <p:nvSpPr>
-          <p:cNvPr id="6" name="Date Placeholder 5"/>
-          <p:cNvSpPr>
-            <a:spLocks noGrp="1"/>
-          </p:cNvSpPr>
-          <p:nvPr>
-            <p:ph type="dt" idx="1"/>
-          </p:nvPr>
-        </p:nvSpPr>
-        <p:spPr/>
-        <p:txBody>
-          <a:bodyPr/>
-          <a:lstStyle/>
-          <a:p>
-            <a:fld id="{D18B56EA-E28F-4F92-9F16-7A6F2501B303}" type="datetime8">
-              <a:rPr lang="en-US" smtClean="0"/>
-              <a:t>3/3/2023 4:36 PM</a:t>
-            </a:fld>
-            <a:endParaRPr lang="en-US"/>
-          </a:p>
-        </p:txBody>
-      </p:sp>
-      <p:sp>
-        <p:nvSpPr>
-          <p:cNvPr id="7" name="Slide Number Placeholder 6"/>
+          <p:cNvPr id="4" name="Slide Number Placeholder 3"/>
           <p:cNvSpPr>
             <a:spLocks noGrp="1"/>
           </p:cNvSpPr>
@@ -1071,19 +988,18 @@
           <a:bodyPr/>
           <a:lstStyle/>
           <a:p>
-            <a:fld id="{B4008EB6-D09E-4580-8CD6-DDB14511944F}" type="slidenum">
-              <a:rPr lang="en-US" smtClean="0"/>
-              <a:pPr/>
+            <a:fld id="{3B5989A0-F5B0-44EC-B88D-0EEE05E88ACB}" type="slidenum">
+              <a:rPr lang="it-IT" smtClean="0"/>
               <a:t>3</a:t>
             </a:fld>
-            <a:endParaRPr lang="en-US"/>
+            <a:endParaRPr lang="it-IT"/>
           </a:p>
         </p:txBody>
       </p:sp>
     </p:spTree>
     <p:extLst>
       <p:ext uri="{BB962C8B-B14F-4D97-AF65-F5344CB8AC3E}">
-        <p14:creationId xmlns:p14="http://schemas.microsoft.com/office/powerpoint/2010/main" val="3837861969"/>
+        <p14:creationId xmlns:p14="http://schemas.microsoft.com/office/powerpoint/2010/main" val="3900466400"/>
       </p:ext>
     </p:extLst>
   </p:cSld>
@@ -1137,13 +1053,97 @@
           <a:bodyPr/>
           <a:lstStyle/>
           <a:p>
+            <a:pPr marL="171450" indent="-171450">
+              <a:buFont typeface="Arial" panose="020B0604020202020204" pitchFamily="34" charset="0"/>
+              <a:buChar char="•"/>
+            </a:pPr>
             <a:endParaRPr lang="en-US" dirty="0"/>
           </a:p>
         </p:txBody>
       </p:sp>
       <p:sp>
         <p:nvSpPr>
-          <p:cNvPr id="4" name="Slide Number Placeholder 3"/>
+          <p:cNvPr id="4" name="Header Placeholder 3"/>
+          <p:cNvSpPr>
+            <a:spLocks noGrp="1"/>
+          </p:cNvSpPr>
+          <p:nvPr>
+            <p:ph type="hdr" sz="quarter"/>
+          </p:nvPr>
+        </p:nvSpPr>
+        <p:spPr/>
+        <p:txBody>
+          <a:bodyPr/>
+          <a:lstStyle/>
+          <a:p>
+            <a:endParaRPr lang="en-US"/>
+          </a:p>
+        </p:txBody>
+      </p:sp>
+      <p:sp>
+        <p:nvSpPr>
+          <p:cNvPr id="5" name="Footer Placeholder 4"/>
+          <p:cNvSpPr>
+            <a:spLocks noGrp="1"/>
+          </p:cNvSpPr>
+          <p:nvPr>
+            <p:ph type="ftr" sz="quarter" idx="4"/>
+          </p:nvPr>
+        </p:nvSpPr>
+        <p:spPr/>
+        <p:txBody>
+          <a:bodyPr/>
+          <a:lstStyle/>
+          <a:p>
+            <a:pPr defTabSz="914099" eaLnBrk="0" hangingPunct="0"/>
+            <a:r>
+              <a:rPr lang="en-US" sz="400">
+                <a:gradFill>
+                  <a:gsLst>
+                    <a:gs pos="0">
+                      <a:prstClr val="black"/>
+                    </a:gs>
+                    <a:gs pos="100000">
+                      <a:prstClr val="black"/>
+                    </a:gs>
+                  </a:gsLst>
+                  <a:lin ang="5400000" scaled="0"/>
+                </a:gradFill>
+                <a:latin typeface="Segoe UI" pitchFamily="34" charset="0"/>
+                <a:ea typeface="Segoe UI" pitchFamily="34" charset="0"/>
+                <a:cs typeface="Segoe UI" pitchFamily="34" charset="0"/>
+              </a:rPr>
+              <a:t>© Microsoft Corporation. All rights reserved. MICROSOFT MAKES NO WARRANTIES, EXPRESS, IMPLIED OR STATUTORY, AS TO THE INFORMATION IN THIS PRESENTATION.</a:t>
+            </a:r>
+          </a:p>
+        </p:txBody>
+      </p:sp>
+      <p:sp>
+        <p:nvSpPr>
+          <p:cNvPr id="6" name="Date Placeholder 5"/>
+          <p:cNvSpPr>
+            <a:spLocks noGrp="1"/>
+          </p:cNvSpPr>
+          <p:nvPr>
+            <p:ph type="dt" idx="1"/>
+          </p:nvPr>
+        </p:nvSpPr>
+        <p:spPr/>
+        <p:txBody>
+          <a:bodyPr/>
+          <a:lstStyle/>
+          <a:p>
+            <a:fld id="{D18B56EA-E28F-4F92-9F16-7A6F2501B303}" type="datetime8">
+              <a:rPr lang="en-US" smtClean="0"/>
+              <a:t>3/9/2023 10:39 AM</a:t>
+            </a:fld>
+            <a:endParaRPr lang="en-US"/>
+          </a:p>
+        </p:txBody>
+      </p:sp>
+      <p:sp>
+        <p:nvSpPr>
+          <p:cNvPr id="7" name="Slide Number Placeholder 6"/>
           <p:cNvSpPr>
             <a:spLocks noGrp="1"/>
           </p:cNvSpPr>
@@ -1156,78 +1156,19 @@
           <a:bodyPr/>
           <a:lstStyle/>
           <a:p>
-            <a:pPr marL="0" marR="0" lvl="0" indent="0" algn="r" defTabSz="914400" rtl="0" eaLnBrk="1" fontAlgn="auto" latinLnBrk="0" hangingPunct="1">
-              <a:lnSpc>
-                <a:spcPct val="100000"/>
-              </a:lnSpc>
-              <a:spcBef>
-                <a:spcPts val="0"/>
-              </a:spcBef>
-              <a:spcAft>
-                <a:spcPts val="0"/>
-              </a:spcAft>
-              <a:buClrTx/>
-              <a:buSzTx/>
-              <a:buFontTx/>
-              <a:buNone/>
-              <a:tabLst/>
-              <a:defRPr/>
-            </a:pPr>
-            <a:fld id="{3B5989A0-F5B0-44EC-B88D-0EEE05E88ACB}" type="slidenum">
-              <a:rPr kumimoji="0" lang="it-IT" sz="1200" b="0" i="0" u="none" strike="noStrike" kern="1200" cap="none" spc="0" normalizeH="0" baseline="0" noProof="0" smtClean="0">
-                <a:ln>
-                  <a:noFill/>
-                </a:ln>
-                <a:solidFill>
-                  <a:prstClr val="black"/>
-                </a:solidFill>
-                <a:effectLst/>
-                <a:uLnTx/>
-                <a:uFillTx/>
-                <a:latin typeface="Calibri" panose="020F0502020204030204"/>
-                <a:ea typeface="+mn-ea"/>
-                <a:cs typeface="+mn-cs"/>
-              </a:rPr>
-              <a:pPr marL="0" marR="0" lvl="0" indent="0" algn="r" defTabSz="914400" rtl="0" eaLnBrk="1" fontAlgn="auto" latinLnBrk="0" hangingPunct="1">
-                <a:lnSpc>
-                  <a:spcPct val="100000"/>
-                </a:lnSpc>
-                <a:spcBef>
-                  <a:spcPts val="0"/>
-                </a:spcBef>
-                <a:spcAft>
-                  <a:spcPts val="0"/>
-                </a:spcAft>
-                <a:buClrTx/>
-                <a:buSzTx/>
-                <a:buFontTx/>
-                <a:buNone/>
-                <a:tabLst/>
-                <a:defRPr/>
-              </a:pPr>
+            <a:fld id="{B4008EB6-D09E-4580-8CD6-DDB14511944F}" type="slidenum">
+              <a:rPr lang="en-US" smtClean="0"/>
+              <a:pPr/>
               <a:t>4</a:t>
             </a:fld>
-            <a:endParaRPr kumimoji="0" lang="it-IT" sz="1200" b="0" i="0" u="none" strike="noStrike" kern="1200" cap="none" spc="0" normalizeH="0" baseline="0" noProof="0">
-              <a:ln>
-                <a:noFill/>
-              </a:ln>
-              <a:solidFill>
-                <a:prstClr val="black"/>
-              </a:solidFill>
-              <a:effectLst/>
-              <a:uLnTx/>
-              <a:uFillTx/>
-              <a:latin typeface="Calibri" panose="020F0502020204030204"/>
-              <a:ea typeface="+mn-ea"/>
-              <a:cs typeface="+mn-cs"/>
-            </a:endParaRPr>
+            <a:endParaRPr lang="en-US"/>
           </a:p>
         </p:txBody>
       </p:sp>
     </p:spTree>
     <p:extLst>
       <p:ext uri="{BB962C8B-B14F-4D97-AF65-F5344CB8AC3E}">
-        <p14:creationId xmlns:p14="http://schemas.microsoft.com/office/powerpoint/2010/main" val="3827319297"/>
+        <p14:creationId xmlns:p14="http://schemas.microsoft.com/office/powerpoint/2010/main" val="3837861969"/>
       </p:ext>
     </p:extLst>
   </p:cSld>
@@ -1300,9 +1241,153 @@
           <a:bodyPr/>
           <a:lstStyle/>
           <a:p>
+            <a:pPr marL="0" marR="0" lvl="0" indent="0" algn="r" defTabSz="914400" rtl="0" eaLnBrk="1" fontAlgn="auto" latinLnBrk="0" hangingPunct="1">
+              <a:lnSpc>
+                <a:spcPct val="100000"/>
+              </a:lnSpc>
+              <a:spcBef>
+                <a:spcPts val="0"/>
+              </a:spcBef>
+              <a:spcAft>
+                <a:spcPts val="0"/>
+              </a:spcAft>
+              <a:buClrTx/>
+              <a:buSzTx/>
+              <a:buFontTx/>
+              <a:buNone/>
+              <a:tabLst/>
+              <a:defRPr/>
+            </a:pPr>
+            <a:fld id="{3B5989A0-F5B0-44EC-B88D-0EEE05E88ACB}" type="slidenum">
+              <a:rPr kumimoji="0" lang="it-IT" sz="1200" b="0" i="0" u="none" strike="noStrike" kern="1200" cap="none" spc="0" normalizeH="0" baseline="0" noProof="0" smtClean="0">
+                <a:ln>
+                  <a:noFill/>
+                </a:ln>
+                <a:solidFill>
+                  <a:prstClr val="black"/>
+                </a:solidFill>
+                <a:effectLst/>
+                <a:uLnTx/>
+                <a:uFillTx/>
+                <a:latin typeface="Calibri" panose="020F0502020204030204"/>
+                <a:ea typeface="+mn-ea"/>
+                <a:cs typeface="+mn-cs"/>
+              </a:rPr>
+              <a:pPr marL="0" marR="0" lvl="0" indent="0" algn="r" defTabSz="914400" rtl="0" eaLnBrk="1" fontAlgn="auto" latinLnBrk="0" hangingPunct="1">
+                <a:lnSpc>
+                  <a:spcPct val="100000"/>
+                </a:lnSpc>
+                <a:spcBef>
+                  <a:spcPts val="0"/>
+                </a:spcBef>
+                <a:spcAft>
+                  <a:spcPts val="0"/>
+                </a:spcAft>
+                <a:buClrTx/>
+                <a:buSzTx/>
+                <a:buFontTx/>
+                <a:buNone/>
+                <a:tabLst/>
+                <a:defRPr/>
+              </a:pPr>
+              <a:t>5</a:t>
+            </a:fld>
+            <a:endParaRPr kumimoji="0" lang="it-IT" sz="1200" b="0" i="0" u="none" strike="noStrike" kern="1200" cap="none" spc="0" normalizeH="0" baseline="0" noProof="0">
+              <a:ln>
+                <a:noFill/>
+              </a:ln>
+              <a:solidFill>
+                <a:prstClr val="black"/>
+              </a:solidFill>
+              <a:effectLst/>
+              <a:uLnTx/>
+              <a:uFillTx/>
+              <a:latin typeface="Calibri" panose="020F0502020204030204"/>
+              <a:ea typeface="+mn-ea"/>
+              <a:cs typeface="+mn-cs"/>
+            </a:endParaRPr>
+          </a:p>
+        </p:txBody>
+      </p:sp>
+    </p:spTree>
+    <p:extLst>
+      <p:ext uri="{BB962C8B-B14F-4D97-AF65-F5344CB8AC3E}">
+        <p14:creationId xmlns:p14="http://schemas.microsoft.com/office/powerpoint/2010/main" val="3827319297"/>
+      </p:ext>
+    </p:extLst>
+  </p:cSld>
+  <p:clrMapOvr>
+    <a:masterClrMapping/>
+  </p:clrMapOvr>
+</p:notes>
+</file>
+
+<file path=ppt/notesSlides/notesSlide5.xml><?xml version="1.0" encoding="utf-8"?>
+<p:notes xmlns:a="http://schemas.openxmlformats.org/drawingml/2006/main" xmlns:r="http://schemas.openxmlformats.org/officeDocument/2006/relationships" xmlns:p="http://schemas.openxmlformats.org/presentationml/2006/main">
+  <p:cSld>
+    <p:spTree>
+      <p:nvGrpSpPr>
+        <p:cNvPr id="1" name=""/>
+        <p:cNvGrpSpPr/>
+        <p:nvPr/>
+      </p:nvGrpSpPr>
+      <p:grpSpPr>
+        <a:xfrm>
+          <a:off x="0" y="0"/>
+          <a:ext cx="0" cy="0"/>
+          <a:chOff x="0" y="0"/>
+          <a:chExt cx="0" cy="0"/>
+        </a:xfrm>
+      </p:grpSpPr>
+      <p:sp>
+        <p:nvSpPr>
+          <p:cNvPr id="2" name="Slide Image Placeholder 1"/>
+          <p:cNvSpPr>
+            <a:spLocks noGrp="1" noRot="1" noChangeAspect="1"/>
+          </p:cNvSpPr>
+          <p:nvPr>
+            <p:ph type="sldImg"/>
+          </p:nvPr>
+        </p:nvSpPr>
+        <p:spPr/>
+      </p:sp>
+      <p:sp>
+        <p:nvSpPr>
+          <p:cNvPr id="3" name="Notes Placeholder 2"/>
+          <p:cNvSpPr>
+            <a:spLocks noGrp="1"/>
+          </p:cNvSpPr>
+          <p:nvPr>
+            <p:ph type="body" idx="1"/>
+          </p:nvPr>
+        </p:nvSpPr>
+        <p:spPr/>
+        <p:txBody>
+          <a:bodyPr/>
+          <a:lstStyle/>
+          <a:p>
+            <a:endParaRPr lang="en-US" dirty="0"/>
+          </a:p>
+        </p:txBody>
+      </p:sp>
+      <p:sp>
+        <p:nvSpPr>
+          <p:cNvPr id="4" name="Slide Number Placeholder 3"/>
+          <p:cNvSpPr>
+            <a:spLocks noGrp="1"/>
+          </p:cNvSpPr>
+          <p:nvPr>
+            <p:ph type="sldNum" sz="quarter" idx="5"/>
+          </p:nvPr>
+        </p:nvSpPr>
+        <p:spPr/>
+        <p:txBody>
+          <a:bodyPr/>
+          <a:lstStyle/>
+          <a:p>
             <a:fld id="{3B5989A0-F5B0-44EC-B88D-0EEE05E88ACB}" type="slidenum">
               <a:rPr lang="it-IT" smtClean="0"/>
-              <a:t>5</a:t>
+              <a:t>6</a:t>
             </a:fld>
             <a:endParaRPr lang="it-IT"/>
           </a:p>
@@ -14279,35 +14364,10 @@
             <a:endParaRPr lang="en-US" sz="1400" dirty="0"/>
           </a:p>
           <a:p>
-            <a:r>
-              <a:rPr lang="en-US" sz="3200" dirty="0">
-                <a:solidFill>
-                  <a:schemeClr val="accent2"/>
-                </a:solidFill>
-              </a:rPr>
-              <a:t>You can rely on additional components</a:t>
-            </a:r>
-          </a:p>
-          <a:p>
-            <a:pPr lvl="1"/>
-            <a:r>
-              <a:rPr lang="en-US" sz="1400" dirty="0"/>
-              <a:t>React</a:t>
-            </a:r>
-          </a:p>
-          <a:p>
-            <a:pPr lvl="1"/>
-            <a:r>
-              <a:rPr lang="en-US" sz="1400" dirty="0"/>
-              <a:t>Fluent UI</a:t>
-            </a:r>
-          </a:p>
-          <a:p>
-            <a:pPr lvl="1"/>
-            <a:r>
-              <a:rPr lang="en-US" sz="1400" dirty="0"/>
-              <a:t>Microsoft Graph Toolkit</a:t>
-            </a:r>
+            <a:pPr marL="0" indent="0">
+              <a:buNone/>
+            </a:pPr>
+            <a:endParaRPr lang="en-US" sz="1400" dirty="0"/>
           </a:p>
         </p:txBody>
       </p:sp>
@@ -14374,6 +14434,164 @@
       </p:grpSpPr>
       <p:sp>
         <p:nvSpPr>
+          <p:cNvPr id="3" name="Content Placeholder 2">
+            <a:extLst>
+              <a:ext uri="{FF2B5EF4-FFF2-40B4-BE49-F238E27FC236}">
+                <a16:creationId xmlns:a16="http://schemas.microsoft.com/office/drawing/2014/main" id="{31ED691C-01B7-44C6-BF7A-4E42AFBE9F47}"/>
+              </a:ext>
+            </a:extLst>
+          </p:cNvPr>
+          <p:cNvSpPr>
+            <a:spLocks noGrp="1"/>
+          </p:cNvSpPr>
+          <p:nvPr>
+            <p:ph type="body" sz="quarter" idx="10"/>
+          </p:nvPr>
+        </p:nvSpPr>
+        <p:spPr>
+          <a:xfrm>
+            <a:off x="274638" y="1212850"/>
+            <a:ext cx="6892281" cy="5253264"/>
+          </a:xfrm>
+        </p:spPr>
+        <p:txBody>
+          <a:bodyPr>
+            <a:normAutofit/>
+          </a:bodyPr>
+          <a:lstStyle/>
+          <a:p>
+            <a:r>
+              <a:rPr lang="en-US" sz="3600" dirty="0"/>
+              <a:t>There is no conversion tool</a:t>
+            </a:r>
+          </a:p>
+          <a:p>
+            <a:pPr lvl="1"/>
+            <a:r>
+              <a:rPr lang="en-US" sz="1800" dirty="0"/>
+              <a:t>Technologies are different</a:t>
+            </a:r>
+          </a:p>
+          <a:p>
+            <a:pPr lvl="1"/>
+            <a:r>
+              <a:rPr lang="en-US" sz="1800" dirty="0"/>
+              <a:t>Languages are different</a:t>
+            </a:r>
+          </a:p>
+          <a:p>
+            <a:pPr lvl="1"/>
+            <a:r>
+              <a:rPr lang="en-US" sz="1800" dirty="0"/>
+              <a:t>The modern world is more powerful</a:t>
+            </a:r>
+          </a:p>
+          <a:p>
+            <a:pPr lvl="1"/>
+            <a:endParaRPr lang="en-US" sz="1800" dirty="0"/>
+          </a:p>
+          <a:p>
+            <a:r>
+              <a:rPr lang="en-US" sz="3600" dirty="0"/>
+              <a:t>Create a new SPFx Component</a:t>
+            </a:r>
+          </a:p>
+          <a:p>
+            <a:pPr lvl="1"/>
+            <a:r>
+              <a:rPr lang="en-US" sz="1800" dirty="0"/>
+              <a:t>Can be a Web Part</a:t>
+            </a:r>
+          </a:p>
+          <a:p>
+            <a:pPr lvl="1"/>
+            <a:r>
+              <a:rPr lang="en-US" sz="1800" dirty="0"/>
+              <a:t>Can be an Extension</a:t>
+            </a:r>
+          </a:p>
+          <a:p>
+            <a:pPr lvl="1"/>
+            <a:r>
+              <a:rPr lang="en-US" sz="1800" dirty="0"/>
+              <a:t>Choose to use React for better UI and reusable components</a:t>
+            </a:r>
+          </a:p>
+          <a:p>
+            <a:pPr lvl="1"/>
+            <a:r>
+              <a:rPr lang="en-US" sz="1800" dirty="0"/>
+              <a:t>Rely on Microsoft Graph Toolkit to speed up development and maintenance</a:t>
+            </a:r>
+          </a:p>
+          <a:p>
+            <a:endParaRPr lang="en-US" sz="3600" dirty="0"/>
+          </a:p>
+        </p:txBody>
+      </p:sp>
+      <p:sp>
+        <p:nvSpPr>
+          <p:cNvPr id="2" name="Title 1">
+            <a:extLst>
+              <a:ext uri="{FF2B5EF4-FFF2-40B4-BE49-F238E27FC236}">
+                <a16:creationId xmlns:a16="http://schemas.microsoft.com/office/drawing/2014/main" id="{C9F48187-E99B-46E4-A2DF-26CC4CC71BF8}"/>
+              </a:ext>
+            </a:extLst>
+          </p:cNvPr>
+          <p:cNvSpPr>
+            <a:spLocks noGrp="1"/>
+          </p:cNvSpPr>
+          <p:nvPr>
+            <p:ph type="title"/>
+          </p:nvPr>
+        </p:nvSpPr>
+        <p:spPr/>
+        <p:txBody>
+          <a:bodyPr/>
+          <a:lstStyle/>
+          <a:p>
+            <a:r>
+              <a:rPr lang="en-US" dirty="0"/>
+              <a:t>From SP.UI.* to SPFx Extensions</a:t>
+            </a:r>
+          </a:p>
+        </p:txBody>
+      </p:sp>
+    </p:spTree>
+    <p:extLst>
+      <p:ext uri="{BB962C8B-B14F-4D97-AF65-F5344CB8AC3E}">
+        <p14:creationId xmlns:p14="http://schemas.microsoft.com/office/powerpoint/2010/main" val="72514354"/>
+      </p:ext>
+    </p:extLst>
+  </p:cSld>
+  <p:clrMapOvr>
+    <a:masterClrMapping/>
+  </p:clrMapOvr>
+  <p:transition>
+    <p:fade/>
+  </p:transition>
+</p:sld>
+</file>
+
+<file path=ppt/slides/slide4.xml><?xml version="1.0" encoding="utf-8"?>
+<p:sld xmlns:a="http://schemas.openxmlformats.org/drawingml/2006/main" xmlns:r="http://schemas.openxmlformats.org/officeDocument/2006/relationships" xmlns:p="http://schemas.openxmlformats.org/presentationml/2006/main">
+  <p:cSld>
+    <p:spTree>
+      <p:nvGrpSpPr>
+        <p:cNvPr id="1" name=""/>
+        <p:cNvGrpSpPr/>
+        <p:nvPr/>
+      </p:nvGrpSpPr>
+      <p:grpSpPr>
+        <a:xfrm>
+          <a:off x="0" y="0"/>
+          <a:ext cx="0" cy="0"/>
+          <a:chOff x="0" y="0"/>
+          <a:chExt cx="0" cy="0"/>
+        </a:xfrm>
+      </p:grpSpPr>
+      <p:sp>
+        <p:nvSpPr>
           <p:cNvPr id="6" name="Title 5">
             <a:extLst>
               <a:ext uri="{FF2B5EF4-FFF2-40B4-BE49-F238E27FC236}">
@@ -14453,7 +14671,7 @@
 </p:sld>
 </file>
 
-<file path=ppt/slides/slide4.xml><?xml version="1.0" encoding="utf-8"?>
+<file path=ppt/slides/slide5.xml><?xml version="1.0" encoding="utf-8"?>
 <p:sld xmlns:a="http://schemas.openxmlformats.org/drawingml/2006/main" xmlns:r="http://schemas.openxmlformats.org/officeDocument/2006/relationships" xmlns:p="http://schemas.openxmlformats.org/presentationml/2006/main">
   <p:cSld>
     <p:spTree>
@@ -14571,7 +14789,7 @@
 </p:sld>
 </file>
 
-<file path=ppt/slides/slide5.xml><?xml version="1.0" encoding="utf-8"?>
+<file path=ppt/slides/slide6.xml><?xml version="1.0" encoding="utf-8"?>
 <p:sld xmlns:a="http://schemas.openxmlformats.org/drawingml/2006/main" xmlns:r="http://schemas.openxmlformats.org/officeDocument/2006/relationships" xmlns:p="http://schemas.openxmlformats.org/presentationml/2006/main">
   <p:cSld>
     <p:bg>
@@ -15624,15 +15842,12 @@
 </file>
 
 <file path=customXml/item1.xml><?xml version="1.0" encoding="utf-8"?>
-<p:properties xmlns:p="http://schemas.microsoft.com/office/2006/metadata/properties" xmlns:xsi="http://www.w3.org/2001/XMLSchema-instance" xmlns:pc="http://schemas.microsoft.com/office/infopath/2007/PartnerControls">
-  <documentManagement>
-    <MediaServiceKeyPoints xmlns="ed971524-76e7-40a8-a01a-f99956bd178c" xsi:nil="true"/>
-    <lcf76f155ced4ddcb4097134ff3c332f xmlns="ed971524-76e7-40a8-a01a-f99956bd178c">
-      <Terms xmlns="http://schemas.microsoft.com/office/infopath/2007/PartnerControls"/>
-    </lcf76f155ced4ddcb4097134ff3c332f>
-    <TaxCatchAll xmlns="230e9df3-be65-4c73-a93b-d1236ebd677e" xsi:nil="true"/>
-  </documentManagement>
-</p:properties>
+<?mso-contentType ?>
+<FormTemplates xmlns="http://schemas.microsoft.com/sharepoint/v3/contenttype/forms">
+  <Display>DocumentLibraryForm</Display>
+  <Edit>DocumentLibraryForm</Edit>
+  <New>DocumentLibraryForm</New>
+</FormTemplates>
 </file>
 
 <file path=customXml/item2.xml><?xml version="1.0" encoding="utf-8"?>
@@ -15878,28 +16093,21 @@
 </file>
 
 <file path=customXml/item3.xml><?xml version="1.0" encoding="utf-8"?>
-<?mso-contentType ?>
-<FormTemplates xmlns="http://schemas.microsoft.com/sharepoint/v3/contenttype/forms">
-  <Display>DocumentLibraryForm</Display>
-  <Edit>DocumentLibraryForm</Edit>
-  <New>DocumentLibraryForm</New>
-</FormTemplates>
+<p:properties xmlns:p="http://schemas.microsoft.com/office/2006/metadata/properties" xmlns:xsi="http://www.w3.org/2001/XMLSchema-instance" xmlns:pc="http://schemas.microsoft.com/office/infopath/2007/PartnerControls">
+  <documentManagement>
+    <MediaServiceKeyPoints xmlns="ed971524-76e7-40a8-a01a-f99956bd178c" xsi:nil="true"/>
+    <lcf76f155ced4ddcb4097134ff3c332f xmlns="ed971524-76e7-40a8-a01a-f99956bd178c">
+      <Terms xmlns="http://schemas.microsoft.com/office/infopath/2007/PartnerControls"/>
+    </lcf76f155ced4ddcb4097134ff3c332f>
+    <TaxCatchAll xmlns="230e9df3-be65-4c73-a93b-d1236ebd677e" xsi:nil="true"/>
+  </documentManagement>
+</p:properties>
 </file>
 
 <file path=customXml/itemProps1.xml><?xml version="1.0" encoding="utf-8"?>
-<ds:datastoreItem xmlns:ds="http://schemas.openxmlformats.org/officeDocument/2006/customXml" ds:itemID="{F990F116-B58F-4255-B05B-DA3808E0E5C6}">
+<ds:datastoreItem xmlns:ds="http://schemas.openxmlformats.org/officeDocument/2006/customXml" ds:itemID="{758FDAC0-319D-4A54-8D8E-1D42CB1F8004}">
   <ds:schemaRefs>
-    <ds:schemaRef ds:uri="http://purl.org/dc/dcmitype/"/>
-    <ds:schemaRef ds:uri="http://schemas.microsoft.com/office/2006/metadata/properties"/>
-    <ds:schemaRef ds:uri="b0e4521d-181b-4aee-b4a8-952b2bc14729"/>
-    <ds:schemaRef ds:uri="http://www.w3.org/XML/1998/namespace"/>
-    <ds:schemaRef ds:uri="http://purl.org/dc/terms/"/>
-    <ds:schemaRef ds:uri="http://schemas.microsoft.com/office/2006/documentManagement/types"/>
-    <ds:schemaRef ds:uri="http://purl.org/dc/elements/1.1/"/>
-    <ds:schemaRef ds:uri="230e9df3-be65-4c73-a93b-d1236ebd677e"/>
-    <ds:schemaRef ds:uri="http://schemas.microsoft.com/office/infopath/2007/PartnerControls"/>
-    <ds:schemaRef ds:uri="http://schemas.openxmlformats.org/package/2006/metadata/core-properties"/>
-    <ds:schemaRef ds:uri="ed971524-76e7-40a8-a01a-f99956bd178c"/>
+    <ds:schemaRef ds:uri="http://schemas.microsoft.com/sharepoint/v3/contenttype/forms"/>
   </ds:schemaRefs>
 </ds:datastoreItem>
 </file>
@@ -15925,9 +16133,19 @@
 </file>
 
 <file path=customXml/itemProps3.xml><?xml version="1.0" encoding="utf-8"?>
-<ds:datastoreItem xmlns:ds="http://schemas.openxmlformats.org/officeDocument/2006/customXml" ds:itemID="{758FDAC0-319D-4A54-8D8E-1D42CB1F8004}">
+<ds:datastoreItem xmlns:ds="http://schemas.openxmlformats.org/officeDocument/2006/customXml" ds:itemID="{F990F116-B58F-4255-B05B-DA3808E0E5C6}">
   <ds:schemaRefs>
-    <ds:schemaRef ds:uri="http://schemas.microsoft.com/sharepoint/v3/contenttype/forms"/>
+    <ds:schemaRef ds:uri="http://purl.org/dc/dcmitype/"/>
+    <ds:schemaRef ds:uri="http://schemas.microsoft.com/office/2006/metadata/properties"/>
+    <ds:schemaRef ds:uri="b0e4521d-181b-4aee-b4a8-952b2bc14729"/>
+    <ds:schemaRef ds:uri="http://www.w3.org/XML/1998/namespace"/>
+    <ds:schemaRef ds:uri="http://purl.org/dc/terms/"/>
+    <ds:schemaRef ds:uri="http://schemas.microsoft.com/office/2006/documentManagement/types"/>
+    <ds:schemaRef ds:uri="http://purl.org/dc/elements/1.1/"/>
+    <ds:schemaRef ds:uri="230e9df3-be65-4c73-a93b-d1236ebd677e"/>
+    <ds:schemaRef ds:uri="http://schemas.microsoft.com/office/infopath/2007/PartnerControls"/>
+    <ds:schemaRef ds:uri="http://schemas.openxmlformats.org/package/2006/metadata/core-properties"/>
+    <ds:schemaRef ds:uri="ed971524-76e7-40a8-a01a-f99956bd178c"/>
   </ds:schemaRefs>
 </ds:datastoreItem>
 </file>
